--- a/Oriental Zodiac Patronu.pptx
+++ b/Oriental Zodiac Patronu.pptx
@@ -4438,7 +4438,7 @@
           </a:p>
           <a:p>
             <a:r>
-              <a:rPr lang="en-AU" b="1" spc="-50" dirty="0">
+              <a:rPr lang="en-AU" b="1" cap="none" spc="-50" dirty="0">
                 <a:solidFill>
                   <a:srgbClr val="006600"/>
                 </a:solidFill>
@@ -4452,7 +4452,24 @@
                 <a:ea typeface="+mj-ea"/>
                 <a:cs typeface="+mj-cs"/>
               </a:rPr>
-              <a:t>                                 Ellie Chen</a:t>
+              <a:t>                                 </a:t>
+            </a:r>
+            <a:r>
+              <a:rPr lang="en-AU" b="1" cap="none" spc="300" dirty="0">
+                <a:solidFill>
+                  <a:srgbClr val="006600"/>
+                </a:solidFill>
+                <a:effectLst>
+                  <a:outerShdw blurRad="38100" dist="38100" dir="2700000" algn="tl">
+                    <a:srgbClr val="000000">
+                      <a:alpha val="43137"/>
+                    </a:srgbClr>
+                  </a:outerShdw>
+                </a:effectLst>
+                <a:ea typeface="+mj-ea"/>
+                <a:cs typeface="+mj-cs"/>
+              </a:rPr>
+              <a:t>ELLIE CHEN</a:t>
             </a:r>
           </a:p>
         </p:txBody>
@@ -4912,7 +4929,7 @@
         </p:nvSpPr>
         <p:spPr>
           <a:xfrm>
-            <a:off x="9535872" y="1963514"/>
+            <a:off x="8930122" y="1943072"/>
             <a:ext cx="2405743" cy="369332"/>
           </a:xfrm>
           <a:prstGeom prst="rect">
@@ -4928,11 +4945,15 @@
           <a:p>
             <a:r>
               <a:rPr lang="en-US" altLang="zh-TW" b="1" dirty="0"/>
-              <a:t>Tai Sui </a:t>
+              <a:t>‘Tai Sui’ (</a:t>
             </a:r>
             <a:r>
               <a:rPr lang="zh-TW" altLang="en-US" b="1" dirty="0"/>
-              <a:t>太歲</a:t>
+              <a:t>太歲 </a:t>
+            </a:r>
+            <a:r>
+              <a:rPr lang="en-AU" altLang="zh-TW" b="1" dirty="0"/>
+              <a:t>)in 2020</a:t>
             </a:r>
             <a:endParaRPr lang="en-AU" b="1" dirty="0"/>
           </a:p>
@@ -5073,7 +5094,7 @@
             </a:pPr>
             <a:r>
               <a:rPr lang="en-AU" sz="3200" b="1" dirty="0"/>
-              <a:t>  Feature 3: Luck Prediction in 2020 - ’Tai Sui’ Test</a:t>
+              <a:t>  Feature 3: Luck Prediction in 2020 -  Tai Sui Test</a:t>
             </a:r>
             <a:endParaRPr lang="en-AU" sz="3200" dirty="0"/>
           </a:p>
@@ -5329,8 +5350,8 @@
           </a:stretch>
         </p:blipFill>
         <p:spPr>
-          <a:xfrm rot="601216">
-            <a:off x="4202569" y="2624963"/>
+          <a:xfrm rot="290001">
+            <a:off x="7098170" y="2614078"/>
             <a:ext cx="3534400" cy="2945334"/>
           </a:xfrm>
         </p:spPr>
